--- a/Tue-Thr/DS-Day-06 R.pptx
+++ b/Tue-Thr/DS-Day-06 R.pptx
@@ -201,7 +201,7 @@
           <a:p>
             <a:fld id="{22783AA6-C1EF-448D-A48A-EF30DCBEFCCC}" type="datetimeFigureOut">
               <a:rPr lang="en-US" smtClean="0"/>
-              <a:t>10/7/2018</a:t>
+              <a:t>10/9/2018</a:t>
             </a:fld>
             <a:endParaRPr lang="en-US"/>
           </a:p>
@@ -1019,7 +1019,7 @@
           <a:p>
             <a:fld id="{C14F4D0B-68E4-4C14-BD4D-319F9BD213A3}" type="datetimeFigureOut">
               <a:rPr lang="ru-RU" smtClean="0"/>
-              <a:t>07.10.2018</a:t>
+              <a:t>09.10.2018</a:t>
             </a:fld>
             <a:endParaRPr lang="ru-RU"/>
           </a:p>
@@ -1189,7 +1189,7 @@
           <a:p>
             <a:fld id="{C14F4D0B-68E4-4C14-BD4D-319F9BD213A3}" type="datetimeFigureOut">
               <a:rPr lang="ru-RU" smtClean="0"/>
-              <a:t>07.10.2018</a:t>
+              <a:t>09.10.2018</a:t>
             </a:fld>
             <a:endParaRPr lang="ru-RU"/>
           </a:p>
@@ -1369,7 +1369,7 @@
           <a:p>
             <a:fld id="{C14F4D0B-68E4-4C14-BD4D-319F9BD213A3}" type="datetimeFigureOut">
               <a:rPr lang="ru-RU" smtClean="0"/>
-              <a:t>07.10.2018</a:t>
+              <a:t>09.10.2018</a:t>
             </a:fld>
             <a:endParaRPr lang="ru-RU"/>
           </a:p>
@@ -1539,7 +1539,7 @@
           <a:p>
             <a:fld id="{C14F4D0B-68E4-4C14-BD4D-319F9BD213A3}" type="datetimeFigureOut">
               <a:rPr lang="ru-RU" smtClean="0"/>
-              <a:t>07.10.2018</a:t>
+              <a:t>09.10.2018</a:t>
             </a:fld>
             <a:endParaRPr lang="ru-RU"/>
           </a:p>
@@ -1790,7 +1790,7 @@
           <a:p>
             <a:fld id="{C14F4D0B-68E4-4C14-BD4D-319F9BD213A3}" type="datetimeFigureOut">
               <a:rPr lang="ru-RU" smtClean="0"/>
-              <a:t>07.10.2018</a:t>
+              <a:t>09.10.2018</a:t>
             </a:fld>
             <a:endParaRPr lang="ru-RU"/>
           </a:p>
@@ -2022,7 +2022,7 @@
           <a:p>
             <a:fld id="{C14F4D0B-68E4-4C14-BD4D-319F9BD213A3}" type="datetimeFigureOut">
               <a:rPr lang="ru-RU" smtClean="0"/>
-              <a:t>07.10.2018</a:t>
+              <a:t>09.10.2018</a:t>
             </a:fld>
             <a:endParaRPr lang="ru-RU"/>
           </a:p>
@@ -2369,7 +2369,7 @@
           <a:p>
             <a:fld id="{C14F4D0B-68E4-4C14-BD4D-319F9BD213A3}" type="datetimeFigureOut">
               <a:rPr lang="ru-RU" smtClean="0"/>
-              <a:t>07.10.2018</a:t>
+              <a:t>09.10.2018</a:t>
             </a:fld>
             <a:endParaRPr lang="ru-RU"/>
           </a:p>
@@ -2487,7 +2487,7 @@
           <a:p>
             <a:fld id="{C14F4D0B-68E4-4C14-BD4D-319F9BD213A3}" type="datetimeFigureOut">
               <a:rPr lang="ru-RU" smtClean="0"/>
-              <a:t>07.10.2018</a:t>
+              <a:t>09.10.2018</a:t>
             </a:fld>
             <a:endParaRPr lang="ru-RU"/>
           </a:p>
@@ -2605,7 +2605,7 @@
           <a:p>
             <a:fld id="{C14F4D0B-68E4-4C14-BD4D-319F9BD213A3}" type="datetimeFigureOut">
               <a:rPr lang="ru-RU" smtClean="0"/>
-              <a:t>07.10.2018</a:t>
+              <a:t>09.10.2018</a:t>
             </a:fld>
             <a:endParaRPr lang="ru-RU"/>
           </a:p>
@@ -2889,7 +2889,7 @@
           <a:p>
             <a:fld id="{C14F4D0B-68E4-4C14-BD4D-319F9BD213A3}" type="datetimeFigureOut">
               <a:rPr lang="ru-RU" smtClean="0"/>
-              <a:t>07.10.2018</a:t>
+              <a:t>09.10.2018</a:t>
             </a:fld>
             <a:endParaRPr lang="ru-RU"/>
           </a:p>
@@ -3153,7 +3153,7 @@
           <a:p>
             <a:fld id="{C14F4D0B-68E4-4C14-BD4D-319F9BD213A3}" type="datetimeFigureOut">
               <a:rPr lang="ru-RU" smtClean="0"/>
-              <a:t>07.10.2018</a:t>
+              <a:t>09.10.2018</a:t>
             </a:fld>
             <a:endParaRPr lang="ru-RU"/>
           </a:p>
@@ -3367,7 +3367,7 @@
           <a:p>
             <a:fld id="{C14F4D0B-68E4-4C14-BD4D-319F9BD213A3}" type="datetimeFigureOut">
               <a:rPr lang="ru-RU" smtClean="0"/>
-              <a:t>07.10.2018</a:t>
+              <a:t>09.10.2018</a:t>
             </a:fld>
             <a:endParaRPr lang="ru-RU"/>
           </a:p>
@@ -5093,11 +5093,7 @@
           <a:p>
             <a:r>
               <a:rPr lang="ru-RU" sz="2400" dirty="0" smtClean="0"/>
-              <a:t>4) Тест </a:t>
-            </a:r>
-            <a:r>
-              <a:rPr lang="ru-RU" sz="2400" dirty="0" smtClean="0"/>
-              <a:t>о том, что максимальное значение будет выбросом</a:t>
+              <a:t>4) Тест о том, что максимальное значение будет выбросом</a:t>
             </a:r>
           </a:p>
           <a:p>
@@ -5221,11 +5217,7 @@
             </a:r>
             <a:r>
               <a:rPr lang="en-US" sz="2400" b="1" dirty="0" smtClean="0"/>
-              <a:t>DataDay3.csv</a:t>
-            </a:r>
-            <a:r>
-              <a:rPr lang="en-US" sz="2400" b="1" dirty="0" smtClean="0"/>
-              <a:t>:</a:t>
+              <a:t>DataDay3.csv:</a:t>
             </a:r>
             <a:endParaRPr lang="ru-RU" sz="2400" dirty="0"/>
           </a:p>
@@ -5277,11 +5269,7 @@
             </a:pPr>
             <a:r>
               <a:rPr lang="ru-RU" sz="2400" dirty="0" smtClean="0"/>
-              <a:t>Построить круговую диаграмму населения по регионам</a:t>
-            </a:r>
-            <a:r>
-              <a:rPr lang="ru-RU" sz="2400" dirty="0" smtClean="0"/>
-              <a:t>.</a:t>
+              <a:t>Построить круговую диаграмму населения по регионам.</a:t>
             </a:r>
           </a:p>
           <a:p>
@@ -5316,20 +5304,20 @@
               <a:t>) </a:t>
             </a:r>
             <a:r>
-              <a:rPr lang="ru-RU" sz="2400" smtClean="0"/>
+              <a:rPr lang="ru-RU" sz="2400" dirty="0" smtClean="0"/>
               <a:t>В </a:t>
             </a:r>
             <a:r>
-              <a:rPr lang="ru-RU" sz="2400" smtClean="0"/>
-              <a:t>прошлом </a:t>
-            </a:r>
-            <a:r>
-              <a:rPr lang="ru-RU" sz="2400" smtClean="0"/>
-              <a:t>домашнем </a:t>
+              <a:rPr lang="en-US" sz="2400" dirty="0" smtClean="0"/>
+              <a:t>Day5 Slide 2 task 2 </a:t>
             </a:r>
             <a:r>
               <a:rPr lang="ru-RU" sz="2400" dirty="0" smtClean="0"/>
-              <a:t>задании убрать очевидные выбросы, посмотреть, как поменяется модель.</a:t>
+              <a:t>убрать </a:t>
+            </a:r>
+            <a:r>
+              <a:rPr lang="ru-RU" sz="2400" dirty="0" smtClean="0"/>
+              <a:t>очевидные выбросы, посмотреть, как поменяется модель.</a:t>
             </a:r>
           </a:p>
           <a:p>
